--- a/middlerware/HBase介绍.pptx
+++ b/middlerware/HBase介绍.pptx
@@ -313,7 +313,7 @@
             <a:fld id="{87DE6118-2437-4B30-8E3C-4D2BE6020583}" type="datetimeFigureOut">
               <a:rPr lang="en-US" dirty="0"/>
               <a:pPr/>
-              <a:t>6/17/19</a:t>
+              <a:t>7/9/19</a:t>
             </a:fld>
             <a:endParaRPr lang="en-US" dirty="0"/>
           </a:p>
@@ -639,7 +639,7 @@
           <a:p>
             <a:fld id="{87DE6118-2437-4B30-8E3C-4D2BE6020583}" type="datetimeFigureOut">
               <a:rPr lang="en-US" dirty="0"/>
-              <a:t>6/17/19</a:t>
+              <a:t>7/9/19</a:t>
             </a:fld>
             <a:endParaRPr lang="en-US" dirty="0"/>
           </a:p>
@@ -814,7 +814,7 @@
           <a:p>
             <a:fld id="{87DE6118-2437-4B30-8E3C-4D2BE6020583}" type="datetimeFigureOut">
               <a:rPr lang="en-US" dirty="0"/>
-              <a:t>6/17/19</a:t>
+              <a:t>7/9/19</a:t>
             </a:fld>
             <a:endParaRPr lang="en-US" dirty="0"/>
           </a:p>
@@ -979,7 +979,7 @@
           <a:p>
             <a:fld id="{87DE6118-2437-4B30-8E3C-4D2BE6020583}" type="datetimeFigureOut">
               <a:rPr lang="en-US" dirty="0"/>
-              <a:t>6/17/19</a:t>
+              <a:t>7/9/19</a:t>
             </a:fld>
             <a:endParaRPr lang="en-US" dirty="0"/>
           </a:p>
@@ -1252,7 +1252,7 @@
             <a:fld id="{87DE6118-2437-4B30-8E3C-4D2BE6020583}" type="datetimeFigureOut">
               <a:rPr lang="en-US" dirty="0"/>
               <a:pPr/>
-              <a:t>6/17/19</a:t>
+              <a:t>7/9/19</a:t>
             </a:fld>
             <a:endParaRPr lang="en-US" dirty="0"/>
           </a:p>
@@ -1642,7 +1642,7 @@
           <a:p>
             <a:fld id="{87DE6118-2437-4B30-8E3C-4D2BE6020583}" type="datetimeFigureOut">
               <a:rPr lang="en-US" dirty="0"/>
-              <a:t>6/17/19</a:t>
+              <a:t>7/9/19</a:t>
             </a:fld>
             <a:endParaRPr lang="en-US" dirty="0"/>
           </a:p>
@@ -2114,7 +2114,7 @@
           <a:p>
             <a:fld id="{87DE6118-2437-4B30-8E3C-4D2BE6020583}" type="datetimeFigureOut">
               <a:rPr lang="en-US" dirty="0"/>
-              <a:t>6/17/19</a:t>
+              <a:t>7/9/19</a:t>
             </a:fld>
             <a:endParaRPr lang="en-US" dirty="0"/>
           </a:p>
@@ -2227,7 +2227,7 @@
           <a:p>
             <a:fld id="{87DE6118-2437-4B30-8E3C-4D2BE6020583}" type="datetimeFigureOut">
               <a:rPr lang="en-US" dirty="0"/>
-              <a:t>6/17/19</a:t>
+              <a:t>7/9/19</a:t>
             </a:fld>
             <a:endParaRPr lang="en-US" dirty="0"/>
           </a:p>
@@ -2317,7 +2317,7 @@
           <a:p>
             <a:fld id="{87DE6118-2437-4B30-8E3C-4D2BE6020583}" type="datetimeFigureOut">
               <a:rPr lang="en-US" dirty="0"/>
-              <a:t>6/17/19</a:t>
+              <a:t>7/9/19</a:t>
             </a:fld>
             <a:endParaRPr lang="en-US" dirty="0"/>
           </a:p>
@@ -2659,7 +2659,7 @@
             <a:fld id="{87DE6118-2437-4B30-8E3C-4D2BE6020583}" type="datetimeFigureOut">
               <a:rPr lang="en-US" dirty="0"/>
               <a:pPr/>
-              <a:t>6/17/19</a:t>
+              <a:t>7/9/19</a:t>
             </a:fld>
             <a:endParaRPr lang="en-US" dirty="0"/>
           </a:p>
@@ -3044,7 +3044,7 @@
             <a:fld id="{87DE6118-2437-4B30-8E3C-4D2BE6020583}" type="datetimeFigureOut">
               <a:rPr lang="en-US" dirty="0"/>
               <a:pPr/>
-              <a:t>6/17/19</a:t>
+              <a:t>7/9/19</a:t>
             </a:fld>
             <a:endParaRPr lang="en-US" dirty="0"/>
           </a:p>
@@ -3319,7 +3319,7 @@
             <a:fld id="{87DE6118-2437-4B30-8E3C-4D2BE6020583}" type="datetimeFigureOut">
               <a:rPr lang="en-US" dirty="0"/>
               <a:pPr/>
-              <a:t>6/17/19</a:t>
+              <a:t>7/9/19</a:t>
             </a:fld>
             <a:endParaRPr lang="en-US" dirty="0"/>
           </a:p>
@@ -6098,7 +6098,7 @@
           <p:nvPr>
             <p:extLst>
               <p:ext uri="{D42A27DB-BD31-4B8C-83A1-F6EECF244321}">
-                <p14:modId xmlns:p14="http://schemas.microsoft.com/office/powerpoint/2010/main" val="1391625857"/>
+                <p14:modId xmlns:p14="http://schemas.microsoft.com/office/powerpoint/2010/main" val="472458321"/>
               </p:ext>
             </p:extLst>
           </p:nvPr>
@@ -6122,16 +6122,16 @@
                     <a:lstStyle/>
                     <a:p>
                       <a:r>
-                        <a:rPr lang="fi-FI">
+                        <a:rPr lang="en-US" altLang="zh-CN" dirty="0" smtClean="0">
                           <a:solidFill>
                             <a:srgbClr val="000000"/>
                           </a:solidFill>
                           <a:effectLst/>
                           <a:latin typeface="Helvetica Neue" charset="0"/>
                         </a:rPr>
-                        <a:t>18</a:t>
+                        <a:t>1</a:t>
                       </a:r>
-                      <a:endParaRPr lang="fi-FI">
+                      <a:endParaRPr lang="fi-FI" dirty="0">
                         <a:effectLst/>
                       </a:endParaRPr>
                     </a:p>
@@ -6181,16 +6181,16 @@
                     <a:lstStyle/>
                     <a:p>
                       <a:r>
-                        <a:rPr lang="en-US">
+                        <a:rPr lang="en-US" altLang="zh-CN" dirty="0" smtClean="0">
                           <a:solidFill>
                             <a:srgbClr val="000000"/>
                           </a:solidFill>
                           <a:effectLst/>
                           <a:latin typeface="Helvetica Neue" charset="0"/>
                         </a:rPr>
-                        <a:t>1</a:t>
+                        <a:t>18</a:t>
                       </a:r>
-                      <a:endParaRPr lang="en-US">
+                      <a:endParaRPr lang="en-US" dirty="0">
                         <a:effectLst/>
                       </a:endParaRPr>
                     </a:p>
@@ -6242,7 +6242,66 @@
                     <a:lstStyle/>
                     <a:p>
                       <a:r>
-                        <a:rPr lang="is-IS">
+                        <a:rPr lang="en-US" altLang="zh-CN" dirty="0" smtClean="0">
+                          <a:solidFill>
+                            <a:srgbClr val="000000"/>
+                          </a:solidFill>
+                          <a:effectLst/>
+                          <a:latin typeface="Helvetica Neue" charset="0"/>
+                        </a:rPr>
+                        <a:t>2</a:t>
+                      </a:r>
+                      <a:endParaRPr lang="is-IS" dirty="0">
+                        <a:effectLst/>
+                      </a:endParaRPr>
+                    </a:p>
+                  </a:txBody>
+                  <a:tcPr marL="50800" marR="50800" marT="50800" marB="50800">
+                    <a:lnL w="12700" cap="flat" cmpd="sng" algn="ctr">
+                      <a:solidFill>
+                        <a:srgbClr val="000000"/>
+                      </a:solidFill>
+                      <a:prstDash val="solid"/>
+                      <a:round/>
+                      <a:headEnd type="none" w="med" len="med"/>
+                      <a:tailEnd type="none" w="med" len="med"/>
+                    </a:lnL>
+                    <a:lnR w="12700" cap="flat" cmpd="sng" algn="ctr">
+                      <a:solidFill>
+                        <a:srgbClr val="000000"/>
+                      </a:solidFill>
+                      <a:prstDash val="solid"/>
+                      <a:round/>
+                      <a:headEnd type="none" w="med" len="med"/>
+                      <a:tailEnd type="none" w="med" len="med"/>
+                    </a:lnR>
+                    <a:lnT w="12700" cap="flat" cmpd="sng" algn="ctr">
+                      <a:solidFill>
+                        <a:srgbClr val="000000"/>
+                      </a:solidFill>
+                      <a:prstDash val="solid"/>
+                      <a:round/>
+                      <a:headEnd type="none" w="med" len="med"/>
+                      <a:tailEnd type="none" w="med" len="med"/>
+                    </a:lnT>
+                    <a:lnB w="12700" cap="flat" cmpd="sng" algn="ctr">
+                      <a:solidFill>
+                        <a:srgbClr val="000000"/>
+                      </a:solidFill>
+                      <a:prstDash val="solid"/>
+                      <a:round/>
+                      <a:headEnd type="none" w="med" len="med"/>
+                      <a:tailEnd type="none" w="med" len="med"/>
+                    </a:lnB>
+                  </a:tcPr>
+                </a:tc>
+                <a:tc>
+                  <a:txBody>
+                    <a:bodyPr/>
+                    <a:lstStyle/>
+                    <a:p>
+                      <a:r>
+                        <a:rPr lang="en-US" altLang="zh-CN" smtClean="0">
                           <a:solidFill>
                             <a:srgbClr val="000000"/>
                           </a:solidFill>
@@ -6295,65 +6354,6 @@
                     </a:lnB>
                   </a:tcPr>
                 </a:tc>
-                <a:tc>
-                  <a:txBody>
-                    <a:bodyPr/>
-                    <a:lstStyle/>
-                    <a:p>
-                      <a:r>
-                        <a:rPr lang="is-IS">
-                          <a:solidFill>
-                            <a:srgbClr val="000000"/>
-                          </a:solidFill>
-                          <a:effectLst/>
-                          <a:latin typeface="Helvetica Neue" charset="0"/>
-                        </a:rPr>
-                        <a:t>2</a:t>
-                      </a:r>
-                      <a:endParaRPr lang="is-IS">
-                        <a:effectLst/>
-                      </a:endParaRPr>
-                    </a:p>
-                  </a:txBody>
-                  <a:tcPr marL="50800" marR="50800" marT="50800" marB="50800">
-                    <a:lnL w="12700" cap="flat" cmpd="sng" algn="ctr">
-                      <a:solidFill>
-                        <a:srgbClr val="000000"/>
-                      </a:solidFill>
-                      <a:prstDash val="solid"/>
-                      <a:round/>
-                      <a:headEnd type="none" w="med" len="med"/>
-                      <a:tailEnd type="none" w="med" len="med"/>
-                    </a:lnL>
-                    <a:lnR w="12700" cap="flat" cmpd="sng" algn="ctr">
-                      <a:solidFill>
-                        <a:srgbClr val="000000"/>
-                      </a:solidFill>
-                      <a:prstDash val="solid"/>
-                      <a:round/>
-                      <a:headEnd type="none" w="med" len="med"/>
-                      <a:tailEnd type="none" w="med" len="med"/>
-                    </a:lnR>
-                    <a:lnT w="12700" cap="flat" cmpd="sng" algn="ctr">
-                      <a:solidFill>
-                        <a:srgbClr val="000000"/>
-                      </a:solidFill>
-                      <a:prstDash val="solid"/>
-                      <a:round/>
-                      <a:headEnd type="none" w="med" len="med"/>
-                      <a:tailEnd type="none" w="med" len="med"/>
-                    </a:lnT>
-                    <a:lnB w="12700" cap="flat" cmpd="sng" algn="ctr">
-                      <a:solidFill>
-                        <a:srgbClr val="000000"/>
-                      </a:solidFill>
-                      <a:prstDash val="solid"/>
-                      <a:round/>
-                      <a:headEnd type="none" w="med" len="med"/>
-                      <a:tailEnd type="none" w="med" len="med"/>
-                    </a:lnB>
-                  </a:tcPr>
-                </a:tc>
               </a:tr>
               <a:tr h="139700">
                 <a:tc>
@@ -6362,16 +6362,16 @@
                     <a:lstStyle/>
                     <a:p>
                       <a:r>
-                        <a:rPr lang="en-US">
+                        <a:rPr lang="en-US" altLang="zh-CN" dirty="0" smtClean="0">
                           <a:solidFill>
                             <a:srgbClr val="000000"/>
                           </a:solidFill>
                           <a:effectLst/>
                           <a:latin typeface="Helvetica Neue" charset="0"/>
                         </a:rPr>
-                        <a:t>1</a:t>
+                        <a:t>3</a:t>
                       </a:r>
-                      <a:endParaRPr lang="en-US">
+                      <a:endParaRPr lang="en-US" dirty="0">
                         <a:effectLst/>
                       </a:endParaRPr>
                     </a:p>
@@ -6421,14 +6421,14 @@
                     <a:lstStyle/>
                     <a:p>
                       <a:r>
-                        <a:rPr lang="en-US" dirty="0">
+                        <a:rPr lang="en-US" altLang="zh-CN" smtClean="0">
                           <a:solidFill>
                             <a:srgbClr val="000000"/>
                           </a:solidFill>
                           <a:effectLst/>
                           <a:latin typeface="Helvetica Neue" charset="0"/>
                         </a:rPr>
-                        <a:t>3</a:t>
+                        <a:t>1</a:t>
                       </a:r>
                       <a:endParaRPr lang="en-US" dirty="0">
                         <a:effectLst/>
@@ -13180,7 +13180,6 @@
               <a:rPr lang="zh-CN" altLang="en-US" b="1" dirty="0"/>
               <a:t>希</a:t>
             </a:r>
-            <a:endParaRPr lang="zh-CN" altLang="en-US" b="1" dirty="0"/>
           </a:p>
           <a:p>
             <a:r>
